--- a/diagram.pptx
+++ b/diagram.pptx
@@ -6,6 +6,7 @@
   </p:sldMasterIdLst>
   <p:sldIdLst>
     <p:sldId id="256" r:id="rId2"/>
+    <p:sldId id="257" r:id="rId3"/>
   </p:sldIdLst>
   <p:sldSz cx="9144000" cy="6858000" type="screen4x3"/>
   <p:notesSz cx="6858000" cy="9144000"/>
@@ -7992,6 +7993,860 @@
 </p:sld>
 </file>
 
+<file path=ppt/slides/slide2.xml><?xml version="1.0" encoding="utf-8"?>
+<p:sld xmlns:a="http://schemas.openxmlformats.org/drawingml/2006/main" xmlns:r="http://schemas.openxmlformats.org/officeDocument/2006/relationships" xmlns:p="http://schemas.openxmlformats.org/presentationml/2006/main">
+  <p:cSld>
+    <p:spTree>
+      <p:nvGrpSpPr>
+        <p:cNvPr id="1" name=""/>
+        <p:cNvGrpSpPr/>
+        <p:nvPr/>
+      </p:nvGrpSpPr>
+      <p:grpSpPr>
+        <a:xfrm>
+          <a:off x="0" y="0"/>
+          <a:ext cx="0" cy="0"/>
+          <a:chOff x="0" y="0"/>
+          <a:chExt cx="0" cy="0"/>
+        </a:xfrm>
+      </p:grpSpPr>
+      <p:grpSp>
+        <p:nvGrpSpPr>
+          <p:cNvPr id="33" name="Group 32"/>
+          <p:cNvGrpSpPr/>
+          <p:nvPr/>
+        </p:nvGrpSpPr>
+        <p:grpSpPr>
+          <a:xfrm>
+            <a:off x="2819400" y="2895600"/>
+            <a:ext cx="6019800" cy="2743200"/>
+            <a:chOff x="1295400" y="2667000"/>
+            <a:chExt cx="6019800" cy="2743200"/>
+          </a:xfrm>
+        </p:grpSpPr>
+        <p:cxnSp>
+          <p:nvCxnSpPr>
+            <p:cNvPr id="3" name="Straight Connector 2"/>
+            <p:cNvCxnSpPr/>
+            <p:nvPr/>
+          </p:nvCxnSpPr>
+          <p:spPr>
+            <a:xfrm>
+              <a:off x="1295400" y="2971800"/>
+              <a:ext cx="6019800" cy="0"/>
+            </a:xfrm>
+            <a:prstGeom prst="line">
+              <a:avLst/>
+            </a:prstGeom>
+            <a:ln>
+              <a:solidFill>
+                <a:schemeClr val="tx1"/>
+              </a:solidFill>
+            </a:ln>
+          </p:spPr>
+          <p:style>
+            <a:lnRef idx="2">
+              <a:schemeClr val="accent1"/>
+            </a:lnRef>
+            <a:fillRef idx="0">
+              <a:schemeClr val="accent1"/>
+            </a:fillRef>
+            <a:effectRef idx="1">
+              <a:schemeClr val="accent1"/>
+            </a:effectRef>
+            <a:fontRef idx="minor">
+              <a:schemeClr val="tx1"/>
+            </a:fontRef>
+          </p:style>
+        </p:cxnSp>
+        <p:cxnSp>
+          <p:nvCxnSpPr>
+            <p:cNvPr id="4" name="Straight Connector 3"/>
+            <p:cNvCxnSpPr/>
+            <p:nvPr/>
+          </p:nvCxnSpPr>
+          <p:spPr>
+            <a:xfrm>
+              <a:off x="1295400" y="3657600"/>
+              <a:ext cx="6019800" cy="0"/>
+            </a:xfrm>
+            <a:prstGeom prst="line">
+              <a:avLst/>
+            </a:prstGeom>
+            <a:ln>
+              <a:solidFill>
+                <a:schemeClr val="tx1"/>
+              </a:solidFill>
+            </a:ln>
+          </p:spPr>
+          <p:style>
+            <a:lnRef idx="2">
+              <a:schemeClr val="accent1"/>
+            </a:lnRef>
+            <a:fillRef idx="0">
+              <a:schemeClr val="accent1"/>
+            </a:fillRef>
+            <a:effectRef idx="1">
+              <a:schemeClr val="accent1"/>
+            </a:effectRef>
+            <a:fontRef idx="minor">
+              <a:schemeClr val="tx1"/>
+            </a:fontRef>
+          </p:style>
+        </p:cxnSp>
+        <p:cxnSp>
+          <p:nvCxnSpPr>
+            <p:cNvPr id="5" name="Straight Connector 4"/>
+            <p:cNvCxnSpPr/>
+            <p:nvPr/>
+          </p:nvCxnSpPr>
+          <p:spPr>
+            <a:xfrm>
+              <a:off x="1295400" y="4419600"/>
+              <a:ext cx="6019800" cy="0"/>
+            </a:xfrm>
+            <a:prstGeom prst="line">
+              <a:avLst/>
+            </a:prstGeom>
+            <a:ln>
+              <a:solidFill>
+                <a:schemeClr val="tx1"/>
+              </a:solidFill>
+            </a:ln>
+          </p:spPr>
+          <p:style>
+            <a:lnRef idx="2">
+              <a:schemeClr val="accent1"/>
+            </a:lnRef>
+            <a:fillRef idx="0">
+              <a:schemeClr val="accent1"/>
+            </a:fillRef>
+            <a:effectRef idx="1">
+              <a:schemeClr val="accent1"/>
+            </a:effectRef>
+            <a:fontRef idx="minor">
+              <a:schemeClr val="tx1"/>
+            </a:fontRef>
+          </p:style>
+        </p:cxnSp>
+        <p:cxnSp>
+          <p:nvCxnSpPr>
+            <p:cNvPr id="6" name="Straight Connector 5"/>
+            <p:cNvCxnSpPr/>
+            <p:nvPr/>
+          </p:nvCxnSpPr>
+          <p:spPr>
+            <a:xfrm>
+              <a:off x="1295400" y="5105400"/>
+              <a:ext cx="6019800" cy="0"/>
+            </a:xfrm>
+            <a:prstGeom prst="line">
+              <a:avLst/>
+            </a:prstGeom>
+            <a:ln>
+              <a:solidFill>
+                <a:schemeClr val="tx1"/>
+              </a:solidFill>
+            </a:ln>
+          </p:spPr>
+          <p:style>
+            <a:lnRef idx="2">
+              <a:schemeClr val="accent1"/>
+            </a:lnRef>
+            <a:fillRef idx="0">
+              <a:schemeClr val="accent1"/>
+            </a:fillRef>
+            <a:effectRef idx="1">
+              <a:schemeClr val="accent1"/>
+            </a:effectRef>
+            <a:fontRef idx="minor">
+              <a:schemeClr val="tx1"/>
+            </a:fontRef>
+          </p:style>
+        </p:cxnSp>
+        <p:cxnSp>
+          <p:nvCxnSpPr>
+            <p:cNvPr id="10" name="Straight Connector 9"/>
+            <p:cNvCxnSpPr/>
+            <p:nvPr/>
+          </p:nvCxnSpPr>
+          <p:spPr>
+            <a:xfrm>
+              <a:off x="1295400" y="2667000"/>
+              <a:ext cx="0" cy="2743200"/>
+            </a:xfrm>
+            <a:prstGeom prst="line">
+              <a:avLst/>
+            </a:prstGeom>
+            <a:ln>
+              <a:solidFill>
+                <a:schemeClr val="tx1"/>
+              </a:solidFill>
+            </a:ln>
+          </p:spPr>
+          <p:style>
+            <a:lnRef idx="2">
+              <a:schemeClr val="accent1"/>
+            </a:lnRef>
+            <a:fillRef idx="0">
+              <a:schemeClr val="accent1"/>
+            </a:fillRef>
+            <a:effectRef idx="1">
+              <a:schemeClr val="accent1"/>
+            </a:effectRef>
+            <a:fontRef idx="minor">
+              <a:schemeClr val="tx1"/>
+            </a:fontRef>
+          </p:style>
+        </p:cxnSp>
+        <p:cxnSp>
+          <p:nvCxnSpPr>
+            <p:cNvPr id="11" name="Straight Connector 10"/>
+            <p:cNvCxnSpPr/>
+            <p:nvPr/>
+          </p:nvCxnSpPr>
+          <p:spPr>
+            <a:xfrm>
+              <a:off x="2209800" y="2667000"/>
+              <a:ext cx="0" cy="2743200"/>
+            </a:xfrm>
+            <a:prstGeom prst="line">
+              <a:avLst/>
+            </a:prstGeom>
+            <a:ln>
+              <a:solidFill>
+                <a:schemeClr val="tx1"/>
+              </a:solidFill>
+            </a:ln>
+          </p:spPr>
+          <p:style>
+            <a:lnRef idx="2">
+              <a:schemeClr val="accent1"/>
+            </a:lnRef>
+            <a:fillRef idx="0">
+              <a:schemeClr val="accent1"/>
+            </a:fillRef>
+            <a:effectRef idx="1">
+              <a:schemeClr val="accent1"/>
+            </a:effectRef>
+            <a:fontRef idx="minor">
+              <a:schemeClr val="tx1"/>
+            </a:fontRef>
+          </p:style>
+        </p:cxnSp>
+        <p:cxnSp>
+          <p:nvCxnSpPr>
+            <p:cNvPr id="12" name="Straight Connector 11"/>
+            <p:cNvCxnSpPr/>
+            <p:nvPr/>
+          </p:nvCxnSpPr>
+          <p:spPr>
+            <a:xfrm>
+              <a:off x="3124200" y="2667000"/>
+              <a:ext cx="0" cy="2743200"/>
+            </a:xfrm>
+            <a:prstGeom prst="line">
+              <a:avLst/>
+            </a:prstGeom>
+            <a:ln>
+              <a:solidFill>
+                <a:schemeClr val="tx1"/>
+              </a:solidFill>
+            </a:ln>
+          </p:spPr>
+          <p:style>
+            <a:lnRef idx="2">
+              <a:schemeClr val="accent1"/>
+            </a:lnRef>
+            <a:fillRef idx="0">
+              <a:schemeClr val="accent1"/>
+            </a:fillRef>
+            <a:effectRef idx="1">
+              <a:schemeClr val="accent1"/>
+            </a:effectRef>
+            <a:fontRef idx="minor">
+              <a:schemeClr val="tx1"/>
+            </a:fontRef>
+          </p:style>
+        </p:cxnSp>
+        <p:cxnSp>
+          <p:nvCxnSpPr>
+            <p:cNvPr id="13" name="Straight Connector 12"/>
+            <p:cNvCxnSpPr/>
+            <p:nvPr/>
+          </p:nvCxnSpPr>
+          <p:spPr>
+            <a:xfrm>
+              <a:off x="4038600" y="2667000"/>
+              <a:ext cx="0" cy="2743200"/>
+            </a:xfrm>
+            <a:prstGeom prst="line">
+              <a:avLst/>
+            </a:prstGeom>
+            <a:ln>
+              <a:solidFill>
+                <a:schemeClr val="tx1"/>
+              </a:solidFill>
+            </a:ln>
+          </p:spPr>
+          <p:style>
+            <a:lnRef idx="2">
+              <a:schemeClr val="accent1"/>
+            </a:lnRef>
+            <a:fillRef idx="0">
+              <a:schemeClr val="accent1"/>
+            </a:fillRef>
+            <a:effectRef idx="1">
+              <a:schemeClr val="accent1"/>
+            </a:effectRef>
+            <a:fontRef idx="minor">
+              <a:schemeClr val="tx1"/>
+            </a:fontRef>
+          </p:style>
+        </p:cxnSp>
+        <p:cxnSp>
+          <p:nvCxnSpPr>
+            <p:cNvPr id="14" name="Straight Connector 13"/>
+            <p:cNvCxnSpPr/>
+            <p:nvPr/>
+          </p:nvCxnSpPr>
+          <p:spPr>
+            <a:xfrm>
+              <a:off x="5029200" y="2667000"/>
+              <a:ext cx="0" cy="2743200"/>
+            </a:xfrm>
+            <a:prstGeom prst="line">
+              <a:avLst/>
+            </a:prstGeom>
+            <a:ln>
+              <a:solidFill>
+                <a:schemeClr val="tx1"/>
+              </a:solidFill>
+            </a:ln>
+          </p:spPr>
+          <p:style>
+            <a:lnRef idx="2">
+              <a:schemeClr val="accent1"/>
+            </a:lnRef>
+            <a:fillRef idx="0">
+              <a:schemeClr val="accent1"/>
+            </a:fillRef>
+            <a:effectRef idx="1">
+              <a:schemeClr val="accent1"/>
+            </a:effectRef>
+            <a:fontRef idx="minor">
+              <a:schemeClr val="tx1"/>
+            </a:fontRef>
+          </p:style>
+        </p:cxnSp>
+        <p:cxnSp>
+          <p:nvCxnSpPr>
+            <p:cNvPr id="15" name="Straight Connector 14"/>
+            <p:cNvCxnSpPr/>
+            <p:nvPr/>
+          </p:nvCxnSpPr>
+          <p:spPr>
+            <a:xfrm>
+              <a:off x="5943600" y="2667000"/>
+              <a:ext cx="0" cy="2743200"/>
+            </a:xfrm>
+            <a:prstGeom prst="line">
+              <a:avLst/>
+            </a:prstGeom>
+            <a:ln>
+              <a:solidFill>
+                <a:schemeClr val="tx1"/>
+              </a:solidFill>
+            </a:ln>
+          </p:spPr>
+          <p:style>
+            <a:lnRef idx="2">
+              <a:schemeClr val="accent1"/>
+            </a:lnRef>
+            <a:fillRef idx="0">
+              <a:schemeClr val="accent1"/>
+            </a:fillRef>
+            <a:effectRef idx="1">
+              <a:schemeClr val="accent1"/>
+            </a:effectRef>
+            <a:fontRef idx="minor">
+              <a:schemeClr val="tx1"/>
+            </a:fontRef>
+          </p:style>
+        </p:cxnSp>
+        <p:cxnSp>
+          <p:nvCxnSpPr>
+            <p:cNvPr id="16" name="Straight Connector 15"/>
+            <p:cNvCxnSpPr/>
+            <p:nvPr/>
+          </p:nvCxnSpPr>
+          <p:spPr>
+            <a:xfrm>
+              <a:off x="6934200" y="2667000"/>
+              <a:ext cx="0" cy="2743200"/>
+            </a:xfrm>
+            <a:prstGeom prst="line">
+              <a:avLst/>
+            </a:prstGeom>
+            <a:ln>
+              <a:solidFill>
+                <a:schemeClr val="tx1"/>
+              </a:solidFill>
+            </a:ln>
+          </p:spPr>
+          <p:style>
+            <a:lnRef idx="2">
+              <a:schemeClr val="accent1"/>
+            </a:lnRef>
+            <a:fillRef idx="0">
+              <a:schemeClr val="accent1"/>
+            </a:fillRef>
+            <a:effectRef idx="1">
+              <a:schemeClr val="accent1"/>
+            </a:effectRef>
+            <a:fontRef idx="minor">
+              <a:schemeClr val="tx1"/>
+            </a:fontRef>
+          </p:style>
+        </p:cxnSp>
+      </p:grpSp>
+      <p:sp>
+        <p:nvSpPr>
+          <p:cNvPr id="35" name="Up Arrow 34"/>
+          <p:cNvSpPr/>
+          <p:nvPr/>
+        </p:nvSpPr>
+        <p:spPr>
+          <a:xfrm>
+            <a:off x="3124200" y="2133600"/>
+            <a:ext cx="304800" cy="1447800"/>
+          </a:xfrm>
+          <a:prstGeom prst="upArrow">
+            <a:avLst/>
+          </a:prstGeom>
+        </p:spPr>
+        <p:style>
+          <a:lnRef idx="1">
+            <a:schemeClr val="accent1"/>
+          </a:lnRef>
+          <a:fillRef idx="3">
+            <a:schemeClr val="accent1"/>
+          </a:fillRef>
+          <a:effectRef idx="2">
+            <a:schemeClr val="accent1"/>
+          </a:effectRef>
+          <a:fontRef idx="minor">
+            <a:schemeClr val="lt1"/>
+          </a:fontRef>
+        </p:style>
+        <p:txBody>
+          <a:bodyPr rtlCol="0" anchor="ctr"/>
+          <a:lstStyle/>
+          <a:p>
+            <a:pPr algn="ctr"/>
+            <a:endParaRPr lang="en-US"/>
+          </a:p>
+        </p:txBody>
+      </p:sp>
+      <p:sp>
+        <p:nvSpPr>
+          <p:cNvPr id="36" name="Up Arrow 35"/>
+          <p:cNvSpPr/>
+          <p:nvPr/>
+        </p:nvSpPr>
+        <p:spPr>
+          <a:xfrm>
+            <a:off x="4038600" y="2133600"/>
+            <a:ext cx="304800" cy="1447800"/>
+          </a:xfrm>
+          <a:prstGeom prst="upArrow">
+            <a:avLst/>
+          </a:prstGeom>
+        </p:spPr>
+        <p:style>
+          <a:lnRef idx="1">
+            <a:schemeClr val="accent1"/>
+          </a:lnRef>
+          <a:fillRef idx="3">
+            <a:schemeClr val="accent1"/>
+          </a:fillRef>
+          <a:effectRef idx="2">
+            <a:schemeClr val="accent1"/>
+          </a:effectRef>
+          <a:fontRef idx="minor">
+            <a:schemeClr val="lt1"/>
+          </a:fontRef>
+        </p:style>
+        <p:txBody>
+          <a:bodyPr rtlCol="0" anchor="ctr"/>
+          <a:lstStyle/>
+          <a:p>
+            <a:pPr algn="ctr"/>
+            <a:endParaRPr lang="en-US"/>
+          </a:p>
+        </p:txBody>
+      </p:sp>
+      <p:sp>
+        <p:nvSpPr>
+          <p:cNvPr id="37" name="Up Arrow 36"/>
+          <p:cNvSpPr/>
+          <p:nvPr/>
+        </p:nvSpPr>
+        <p:spPr>
+          <a:xfrm>
+            <a:off x="4953000" y="2133600"/>
+            <a:ext cx="304800" cy="1447800"/>
+          </a:xfrm>
+          <a:prstGeom prst="upArrow">
+            <a:avLst/>
+          </a:prstGeom>
+        </p:spPr>
+        <p:style>
+          <a:lnRef idx="1">
+            <a:schemeClr val="accent1"/>
+          </a:lnRef>
+          <a:fillRef idx="3">
+            <a:schemeClr val="accent1"/>
+          </a:fillRef>
+          <a:effectRef idx="2">
+            <a:schemeClr val="accent1"/>
+          </a:effectRef>
+          <a:fontRef idx="minor">
+            <a:schemeClr val="lt1"/>
+          </a:fontRef>
+        </p:style>
+        <p:txBody>
+          <a:bodyPr rtlCol="0" anchor="ctr"/>
+          <a:lstStyle/>
+          <a:p>
+            <a:pPr algn="ctr"/>
+            <a:endParaRPr lang="en-US"/>
+          </a:p>
+        </p:txBody>
+      </p:sp>
+      <p:sp>
+        <p:nvSpPr>
+          <p:cNvPr id="38" name="Up Arrow 37"/>
+          <p:cNvSpPr/>
+          <p:nvPr/>
+        </p:nvSpPr>
+        <p:spPr>
+          <a:xfrm>
+            <a:off x="5867400" y="2133600"/>
+            <a:ext cx="304800" cy="1447800"/>
+          </a:xfrm>
+          <a:prstGeom prst="upArrow">
+            <a:avLst/>
+          </a:prstGeom>
+        </p:spPr>
+        <p:style>
+          <a:lnRef idx="1">
+            <a:schemeClr val="accent1"/>
+          </a:lnRef>
+          <a:fillRef idx="3">
+            <a:schemeClr val="accent1"/>
+          </a:fillRef>
+          <a:effectRef idx="2">
+            <a:schemeClr val="accent1"/>
+          </a:effectRef>
+          <a:fontRef idx="minor">
+            <a:schemeClr val="lt1"/>
+          </a:fontRef>
+        </p:style>
+        <p:txBody>
+          <a:bodyPr rtlCol="0" anchor="ctr"/>
+          <a:lstStyle/>
+          <a:p>
+            <a:pPr algn="ctr"/>
+            <a:endParaRPr lang="en-US"/>
+          </a:p>
+        </p:txBody>
+      </p:sp>
+      <p:sp>
+        <p:nvSpPr>
+          <p:cNvPr id="39" name="Up Arrow 38"/>
+          <p:cNvSpPr/>
+          <p:nvPr/>
+        </p:nvSpPr>
+        <p:spPr>
+          <a:xfrm>
+            <a:off x="6858000" y="2133562"/>
+            <a:ext cx="304800" cy="1447800"/>
+          </a:xfrm>
+          <a:prstGeom prst="upArrow">
+            <a:avLst/>
+          </a:prstGeom>
+        </p:spPr>
+        <p:style>
+          <a:lnRef idx="1">
+            <a:schemeClr val="accent1"/>
+          </a:lnRef>
+          <a:fillRef idx="3">
+            <a:schemeClr val="accent1"/>
+          </a:fillRef>
+          <a:effectRef idx="2">
+            <a:schemeClr val="accent1"/>
+          </a:effectRef>
+          <a:fontRef idx="minor">
+            <a:schemeClr val="lt1"/>
+          </a:fontRef>
+        </p:style>
+        <p:txBody>
+          <a:bodyPr rtlCol="0" anchor="ctr"/>
+          <a:lstStyle/>
+          <a:p>
+            <a:pPr algn="ctr"/>
+            <a:endParaRPr lang="en-US"/>
+          </a:p>
+        </p:txBody>
+      </p:sp>
+      <p:sp>
+        <p:nvSpPr>
+          <p:cNvPr id="40" name="Up Arrow 39"/>
+          <p:cNvSpPr/>
+          <p:nvPr/>
+        </p:nvSpPr>
+        <p:spPr>
+          <a:xfrm>
+            <a:off x="7848600" y="2133562"/>
+            <a:ext cx="304800" cy="1447800"/>
+          </a:xfrm>
+          <a:prstGeom prst="upArrow">
+            <a:avLst/>
+          </a:prstGeom>
+        </p:spPr>
+        <p:style>
+          <a:lnRef idx="1">
+            <a:schemeClr val="accent1"/>
+          </a:lnRef>
+          <a:fillRef idx="3">
+            <a:schemeClr val="accent1"/>
+          </a:fillRef>
+          <a:effectRef idx="2">
+            <a:schemeClr val="accent1"/>
+          </a:effectRef>
+          <a:fontRef idx="minor">
+            <a:schemeClr val="lt1"/>
+          </a:fontRef>
+        </p:style>
+        <p:txBody>
+          <a:bodyPr rtlCol="0" anchor="ctr"/>
+          <a:lstStyle/>
+          <a:p>
+            <a:pPr algn="ctr"/>
+            <a:endParaRPr lang="en-US"/>
+          </a:p>
+        </p:txBody>
+      </p:sp>
+      <p:sp>
+        <p:nvSpPr>
+          <p:cNvPr id="41" name="Right Arrow 40"/>
+          <p:cNvSpPr/>
+          <p:nvPr/>
+        </p:nvSpPr>
+        <p:spPr>
+          <a:xfrm>
+            <a:off x="3102764" y="1752600"/>
+            <a:ext cx="5736436" cy="381000"/>
+          </a:xfrm>
+          <a:prstGeom prst="rightArrow">
+            <a:avLst/>
+          </a:prstGeom>
+        </p:spPr>
+        <p:style>
+          <a:lnRef idx="1">
+            <a:schemeClr val="accent2"/>
+          </a:lnRef>
+          <a:fillRef idx="3">
+            <a:schemeClr val="accent2"/>
+          </a:fillRef>
+          <a:effectRef idx="2">
+            <a:schemeClr val="accent2"/>
+          </a:effectRef>
+          <a:fontRef idx="minor">
+            <a:schemeClr val="lt1"/>
+          </a:fontRef>
+        </p:style>
+        <p:txBody>
+          <a:bodyPr rtlCol="0" anchor="ctr"/>
+          <a:lstStyle/>
+          <a:p>
+            <a:pPr algn="ctr"/>
+            <a:endParaRPr lang="en-US"/>
+          </a:p>
+        </p:txBody>
+      </p:sp>
+      <p:sp>
+        <p:nvSpPr>
+          <p:cNvPr id="44" name="TextBox 43"/>
+          <p:cNvSpPr txBox="1"/>
+          <p:nvPr/>
+        </p:nvSpPr>
+        <p:spPr>
+          <a:xfrm>
+            <a:off x="5337191" y="1295400"/>
+            <a:ext cx="1196311" cy="523220"/>
+          </a:xfrm>
+          <a:prstGeom prst="rect">
+            <a:avLst/>
+          </a:prstGeom>
+          <a:noFill/>
+        </p:spPr>
+        <p:txBody>
+          <a:bodyPr wrap="none" rtlCol="0">
+            <a:spAutoFit/>
+          </a:bodyPr>
+          <a:lstStyle/>
+          <a:p>
+            <a:r>
+              <a:rPr lang="en-US" sz="2800" dirty="0" smtClean="0">
+                <a:solidFill>
+                  <a:schemeClr val="accent2"/>
+                </a:solidFill>
+              </a:rPr>
+              <a:t>reduce</a:t>
+            </a:r>
+            <a:endParaRPr lang="en-US" sz="2800" dirty="0">
+              <a:solidFill>
+                <a:schemeClr val="accent2"/>
+              </a:solidFill>
+            </a:endParaRPr>
+          </a:p>
+        </p:txBody>
+      </p:sp>
+      <p:sp>
+        <p:nvSpPr>
+          <p:cNvPr id="45" name="TextBox 44"/>
+          <p:cNvSpPr txBox="1"/>
+          <p:nvPr/>
+        </p:nvSpPr>
+        <p:spPr>
+          <a:xfrm>
+            <a:off x="2286000" y="2143780"/>
+            <a:ext cx="832154" cy="523220"/>
+          </a:xfrm>
+          <a:prstGeom prst="rect">
+            <a:avLst/>
+          </a:prstGeom>
+          <a:noFill/>
+        </p:spPr>
+        <p:txBody>
+          <a:bodyPr wrap="none" rtlCol="0">
+            <a:spAutoFit/>
+          </a:bodyPr>
+          <a:lstStyle/>
+          <a:p>
+            <a:r>
+              <a:rPr lang="en-US" sz="2800" dirty="0" smtClean="0">
+                <a:solidFill>
+                  <a:schemeClr val="accent1"/>
+                </a:solidFill>
+              </a:rPr>
+              <a:t>map</a:t>
+            </a:r>
+            <a:endParaRPr lang="en-US" sz="2800" dirty="0">
+              <a:solidFill>
+                <a:schemeClr val="accent1"/>
+              </a:solidFill>
+            </a:endParaRPr>
+          </a:p>
+        </p:txBody>
+      </p:sp>
+      <p:sp>
+        <p:nvSpPr>
+          <p:cNvPr id="47" name="Left Brace 46"/>
+          <p:cNvSpPr/>
+          <p:nvPr/>
+        </p:nvSpPr>
+        <p:spPr>
+          <a:xfrm>
+            <a:off x="1905000" y="2743200"/>
+            <a:ext cx="424934" cy="3048000"/>
+          </a:xfrm>
+          <a:prstGeom prst="leftBrace">
+            <a:avLst>
+              <a:gd name="adj1" fmla="val 76103"/>
+              <a:gd name="adj2" fmla="val 50000"/>
+            </a:avLst>
+          </a:prstGeom>
+          <a:ln>
+            <a:solidFill>
+              <a:srgbClr val="000000"/>
+            </a:solidFill>
+          </a:ln>
+        </p:spPr>
+        <p:style>
+          <a:lnRef idx="2">
+            <a:schemeClr val="accent1"/>
+          </a:lnRef>
+          <a:fillRef idx="0">
+            <a:schemeClr val="accent1"/>
+          </a:fillRef>
+          <a:effectRef idx="1">
+            <a:schemeClr val="accent1"/>
+          </a:effectRef>
+          <a:fontRef idx="minor">
+            <a:schemeClr val="tx1"/>
+          </a:fontRef>
+        </p:style>
+        <p:txBody>
+          <a:bodyPr rtlCol="0" anchor="ctr"/>
+          <a:lstStyle/>
+          <a:p>
+            <a:pPr algn="ctr"/>
+            <a:endParaRPr lang="en-US"/>
+          </a:p>
+        </p:txBody>
+      </p:sp>
+      <p:sp>
+        <p:nvSpPr>
+          <p:cNvPr id="48" name="TextBox 47"/>
+          <p:cNvSpPr txBox="1"/>
+          <p:nvPr/>
+        </p:nvSpPr>
+        <p:spPr>
+          <a:xfrm>
+            <a:off x="422345" y="3864114"/>
+            <a:ext cx="1406455" cy="707886"/>
+          </a:xfrm>
+          <a:prstGeom prst="rect">
+            <a:avLst/>
+          </a:prstGeom>
+          <a:noFill/>
+        </p:spPr>
+        <p:txBody>
+          <a:bodyPr wrap="none" rtlCol="0">
+            <a:spAutoFit/>
+          </a:bodyPr>
+          <a:lstStyle/>
+          <a:p>
+            <a:pPr algn="r"/>
+            <a:r>
+              <a:rPr lang="en-US" sz="2000" dirty="0" smtClean="0"/>
+              <a:t>parallel</a:t>
+            </a:r>
+          </a:p>
+          <a:p>
+            <a:r>
+              <a:rPr lang="en-US" sz="2000" dirty="0" smtClean="0"/>
+              <a:t>over ranges</a:t>
+            </a:r>
+          </a:p>
+        </p:txBody>
+      </p:sp>
+    </p:spTree>
+    <p:extLst>
+      <p:ext uri="{BB962C8B-B14F-4D97-AF65-F5344CB8AC3E}">
+        <p14:creationId xmlns:p14="http://schemas.microsoft.com/office/powerpoint/2010/main" val="3576206319"/>
+      </p:ext>
+    </p:extLst>
+  </p:cSld>
+  <p:clrMapOvr>
+    <a:masterClrMapping/>
+  </p:clrMapOvr>
+</p:sld>
+</file>
+
 <file path=ppt/theme/theme1.xml><?xml version="1.0" encoding="utf-8"?>
 <a:theme xmlns:a="http://schemas.openxmlformats.org/drawingml/2006/main" name="Office Theme">
   <a:themeElements>
